--- a/Documentation/Architecture.pptx
+++ b/Documentation/Architecture.pptx
@@ -6,6 +6,7 @@
   </p:sldMasterIdLst>
   <p:sldIdLst>
     <p:sldId id="256" r:id="rId2"/>
+    <p:sldId id="257" r:id="rId3"/>
   </p:sldIdLst>
   <p:sldSz cx="9144000" cy="6858000" type="screen4x3"/>
   <p:notesSz cx="6858000" cy="9144000"/>
@@ -288,7 +289,8 @@
           <a:p>
             <a:fld id="{5AB710E5-5C32-4F77-B6A7-0C5F4289286C}" type="datetimeFigureOut">
               <a:rPr lang="de-DE" smtClean="0"/>
-              <a:t>17.08.2011</a:t>
+              <a:pPr/>
+              <a:t>09.10.2012</a:t>
             </a:fld>
             <a:endParaRPr lang="de-DE"/>
           </a:p>
@@ -330,6 +332,7 @@
           <a:p>
             <a:fld id="{F65835AD-BB22-41EF-95AB-588919423062}" type="slidenum">
               <a:rPr lang="de-DE" smtClean="0"/>
+              <a:pPr/>
               <a:t>‹Nr.›</a:t>
             </a:fld>
             <a:endParaRPr lang="de-DE"/>
@@ -339,7 +342,7 @@
     </p:spTree>
     <p:extLst>
       <p:ext uri="{BB962C8B-B14F-4D97-AF65-F5344CB8AC3E}">
-        <p14:creationId xmlns:p14="http://schemas.microsoft.com/office/powerpoint/2010/main" val="2631070656"/>
+        <p14:creationId xmlns:p14="http://schemas.microsoft.com/office/powerpoint/2010/main" xmlns="" val="2631070656"/>
       </p:ext>
     </p:extLst>
   </p:cSld>
@@ -458,7 +461,8 @@
           <a:p>
             <a:fld id="{5AB710E5-5C32-4F77-B6A7-0C5F4289286C}" type="datetimeFigureOut">
               <a:rPr lang="de-DE" smtClean="0"/>
-              <a:t>17.08.2011</a:t>
+              <a:pPr/>
+              <a:t>09.10.2012</a:t>
             </a:fld>
             <a:endParaRPr lang="de-DE"/>
           </a:p>
@@ -500,6 +504,7 @@
           <a:p>
             <a:fld id="{F65835AD-BB22-41EF-95AB-588919423062}" type="slidenum">
               <a:rPr lang="de-DE" smtClean="0"/>
+              <a:pPr/>
               <a:t>‹Nr.›</a:t>
             </a:fld>
             <a:endParaRPr lang="de-DE"/>
@@ -509,7 +514,7 @@
     </p:spTree>
     <p:extLst>
       <p:ext uri="{BB962C8B-B14F-4D97-AF65-F5344CB8AC3E}">
-        <p14:creationId xmlns:p14="http://schemas.microsoft.com/office/powerpoint/2010/main" val="2281102634"/>
+        <p14:creationId xmlns:p14="http://schemas.microsoft.com/office/powerpoint/2010/main" xmlns="" val="2281102634"/>
       </p:ext>
     </p:extLst>
   </p:cSld>
@@ -638,7 +643,8 @@
           <a:p>
             <a:fld id="{5AB710E5-5C32-4F77-B6A7-0C5F4289286C}" type="datetimeFigureOut">
               <a:rPr lang="de-DE" smtClean="0"/>
-              <a:t>17.08.2011</a:t>
+              <a:pPr/>
+              <a:t>09.10.2012</a:t>
             </a:fld>
             <a:endParaRPr lang="de-DE"/>
           </a:p>
@@ -680,6 +686,7 @@
           <a:p>
             <a:fld id="{F65835AD-BB22-41EF-95AB-588919423062}" type="slidenum">
               <a:rPr lang="de-DE" smtClean="0"/>
+              <a:pPr/>
               <a:t>‹Nr.›</a:t>
             </a:fld>
             <a:endParaRPr lang="de-DE"/>
@@ -689,7 +696,7 @@
     </p:spTree>
     <p:extLst>
       <p:ext uri="{BB962C8B-B14F-4D97-AF65-F5344CB8AC3E}">
-        <p14:creationId xmlns:p14="http://schemas.microsoft.com/office/powerpoint/2010/main" val="4023151524"/>
+        <p14:creationId xmlns:p14="http://schemas.microsoft.com/office/powerpoint/2010/main" xmlns="" val="4023151524"/>
       </p:ext>
     </p:extLst>
   </p:cSld>
@@ -808,7 +815,8 @@
           <a:p>
             <a:fld id="{5AB710E5-5C32-4F77-B6A7-0C5F4289286C}" type="datetimeFigureOut">
               <a:rPr lang="de-DE" smtClean="0"/>
-              <a:t>17.08.2011</a:t>
+              <a:pPr/>
+              <a:t>09.10.2012</a:t>
             </a:fld>
             <a:endParaRPr lang="de-DE"/>
           </a:p>
@@ -850,6 +858,7 @@
           <a:p>
             <a:fld id="{F65835AD-BB22-41EF-95AB-588919423062}" type="slidenum">
               <a:rPr lang="de-DE" smtClean="0"/>
+              <a:pPr/>
               <a:t>‹Nr.›</a:t>
             </a:fld>
             <a:endParaRPr lang="de-DE"/>
@@ -859,7 +868,7 @@
     </p:spTree>
     <p:extLst>
       <p:ext uri="{BB962C8B-B14F-4D97-AF65-F5344CB8AC3E}">
-        <p14:creationId xmlns:p14="http://schemas.microsoft.com/office/powerpoint/2010/main" val="2248191877"/>
+        <p14:creationId xmlns:p14="http://schemas.microsoft.com/office/powerpoint/2010/main" xmlns="" val="2248191877"/>
       </p:ext>
     </p:extLst>
   </p:cSld>
@@ -1054,7 +1063,8 @@
           <a:p>
             <a:fld id="{5AB710E5-5C32-4F77-B6A7-0C5F4289286C}" type="datetimeFigureOut">
               <a:rPr lang="de-DE" smtClean="0"/>
-              <a:t>17.08.2011</a:t>
+              <a:pPr/>
+              <a:t>09.10.2012</a:t>
             </a:fld>
             <a:endParaRPr lang="de-DE"/>
           </a:p>
@@ -1096,6 +1106,7 @@
           <a:p>
             <a:fld id="{F65835AD-BB22-41EF-95AB-588919423062}" type="slidenum">
               <a:rPr lang="de-DE" smtClean="0"/>
+              <a:pPr/>
               <a:t>‹Nr.›</a:t>
             </a:fld>
             <a:endParaRPr lang="de-DE"/>
@@ -1105,7 +1116,7 @@
     </p:spTree>
     <p:extLst>
       <p:ext uri="{BB962C8B-B14F-4D97-AF65-F5344CB8AC3E}">
-        <p14:creationId xmlns:p14="http://schemas.microsoft.com/office/powerpoint/2010/main" val="3706731052"/>
+        <p14:creationId xmlns:p14="http://schemas.microsoft.com/office/powerpoint/2010/main" xmlns="" val="3706731052"/>
       </p:ext>
     </p:extLst>
   </p:cSld>
@@ -1342,7 +1353,8 @@
           <a:p>
             <a:fld id="{5AB710E5-5C32-4F77-B6A7-0C5F4289286C}" type="datetimeFigureOut">
               <a:rPr lang="de-DE" smtClean="0"/>
-              <a:t>17.08.2011</a:t>
+              <a:pPr/>
+              <a:t>09.10.2012</a:t>
             </a:fld>
             <a:endParaRPr lang="de-DE"/>
           </a:p>
@@ -1384,6 +1396,7 @@
           <a:p>
             <a:fld id="{F65835AD-BB22-41EF-95AB-588919423062}" type="slidenum">
               <a:rPr lang="de-DE" smtClean="0"/>
+              <a:pPr/>
               <a:t>‹Nr.›</a:t>
             </a:fld>
             <a:endParaRPr lang="de-DE"/>
@@ -1393,7 +1406,7 @@
     </p:spTree>
     <p:extLst>
       <p:ext uri="{BB962C8B-B14F-4D97-AF65-F5344CB8AC3E}">
-        <p14:creationId xmlns:p14="http://schemas.microsoft.com/office/powerpoint/2010/main" val="609086971"/>
+        <p14:creationId xmlns:p14="http://schemas.microsoft.com/office/powerpoint/2010/main" xmlns="" val="609086971"/>
       </p:ext>
     </p:extLst>
   </p:cSld>
@@ -1764,7 +1777,8 @@
           <a:p>
             <a:fld id="{5AB710E5-5C32-4F77-B6A7-0C5F4289286C}" type="datetimeFigureOut">
               <a:rPr lang="de-DE" smtClean="0"/>
-              <a:t>17.08.2011</a:t>
+              <a:pPr/>
+              <a:t>09.10.2012</a:t>
             </a:fld>
             <a:endParaRPr lang="de-DE"/>
           </a:p>
@@ -1806,6 +1820,7 @@
           <a:p>
             <a:fld id="{F65835AD-BB22-41EF-95AB-588919423062}" type="slidenum">
               <a:rPr lang="de-DE" smtClean="0"/>
+              <a:pPr/>
               <a:t>‹Nr.›</a:t>
             </a:fld>
             <a:endParaRPr lang="de-DE"/>
@@ -1815,7 +1830,7 @@
     </p:spTree>
     <p:extLst>
       <p:ext uri="{BB962C8B-B14F-4D97-AF65-F5344CB8AC3E}">
-        <p14:creationId xmlns:p14="http://schemas.microsoft.com/office/powerpoint/2010/main" val="3671089621"/>
+        <p14:creationId xmlns:p14="http://schemas.microsoft.com/office/powerpoint/2010/main" xmlns="" val="3671089621"/>
       </p:ext>
     </p:extLst>
   </p:cSld>
@@ -1882,7 +1897,8 @@
           <a:p>
             <a:fld id="{5AB710E5-5C32-4F77-B6A7-0C5F4289286C}" type="datetimeFigureOut">
               <a:rPr lang="de-DE" smtClean="0"/>
-              <a:t>17.08.2011</a:t>
+              <a:pPr/>
+              <a:t>09.10.2012</a:t>
             </a:fld>
             <a:endParaRPr lang="de-DE"/>
           </a:p>
@@ -1924,6 +1940,7 @@
           <a:p>
             <a:fld id="{F65835AD-BB22-41EF-95AB-588919423062}" type="slidenum">
               <a:rPr lang="de-DE" smtClean="0"/>
+              <a:pPr/>
               <a:t>‹Nr.›</a:t>
             </a:fld>
             <a:endParaRPr lang="de-DE"/>
@@ -1933,7 +1950,7 @@
     </p:spTree>
     <p:extLst>
       <p:ext uri="{BB962C8B-B14F-4D97-AF65-F5344CB8AC3E}">
-        <p14:creationId xmlns:p14="http://schemas.microsoft.com/office/powerpoint/2010/main" val="1120576916"/>
+        <p14:creationId xmlns:p14="http://schemas.microsoft.com/office/powerpoint/2010/main" xmlns="" val="1120576916"/>
       </p:ext>
     </p:extLst>
   </p:cSld>
@@ -1977,7 +1994,8 @@
           <a:p>
             <a:fld id="{5AB710E5-5C32-4F77-B6A7-0C5F4289286C}" type="datetimeFigureOut">
               <a:rPr lang="de-DE" smtClean="0"/>
-              <a:t>17.08.2011</a:t>
+              <a:pPr/>
+              <a:t>09.10.2012</a:t>
             </a:fld>
             <a:endParaRPr lang="de-DE"/>
           </a:p>
@@ -2019,6 +2037,7 @@
           <a:p>
             <a:fld id="{F65835AD-BB22-41EF-95AB-588919423062}" type="slidenum">
               <a:rPr lang="de-DE" smtClean="0"/>
+              <a:pPr/>
               <a:t>‹Nr.›</a:t>
             </a:fld>
             <a:endParaRPr lang="de-DE"/>
@@ -2028,7 +2047,7 @@
     </p:spTree>
     <p:extLst>
       <p:ext uri="{BB962C8B-B14F-4D97-AF65-F5344CB8AC3E}">
-        <p14:creationId xmlns:p14="http://schemas.microsoft.com/office/powerpoint/2010/main" val="2746693755"/>
+        <p14:creationId xmlns:p14="http://schemas.microsoft.com/office/powerpoint/2010/main" xmlns="" val="2746693755"/>
       </p:ext>
     </p:extLst>
   </p:cSld>
@@ -2254,7 +2273,8 @@
           <a:p>
             <a:fld id="{5AB710E5-5C32-4F77-B6A7-0C5F4289286C}" type="datetimeFigureOut">
               <a:rPr lang="de-DE" smtClean="0"/>
-              <a:t>17.08.2011</a:t>
+              <a:pPr/>
+              <a:t>09.10.2012</a:t>
             </a:fld>
             <a:endParaRPr lang="de-DE"/>
           </a:p>
@@ -2296,6 +2316,7 @@
           <a:p>
             <a:fld id="{F65835AD-BB22-41EF-95AB-588919423062}" type="slidenum">
               <a:rPr lang="de-DE" smtClean="0"/>
+              <a:pPr/>
               <a:t>‹Nr.›</a:t>
             </a:fld>
             <a:endParaRPr lang="de-DE"/>
@@ -2305,7 +2326,7 @@
     </p:spTree>
     <p:extLst>
       <p:ext uri="{BB962C8B-B14F-4D97-AF65-F5344CB8AC3E}">
-        <p14:creationId xmlns:p14="http://schemas.microsoft.com/office/powerpoint/2010/main" val="1577338386"/>
+        <p14:creationId xmlns:p14="http://schemas.microsoft.com/office/powerpoint/2010/main" xmlns="" val="1577338386"/>
       </p:ext>
     </p:extLst>
   </p:cSld>
@@ -2507,7 +2528,8 @@
           <a:p>
             <a:fld id="{5AB710E5-5C32-4F77-B6A7-0C5F4289286C}" type="datetimeFigureOut">
               <a:rPr lang="de-DE" smtClean="0"/>
-              <a:t>17.08.2011</a:t>
+              <a:pPr/>
+              <a:t>09.10.2012</a:t>
             </a:fld>
             <a:endParaRPr lang="de-DE"/>
           </a:p>
@@ -2549,6 +2571,7 @@
           <a:p>
             <a:fld id="{F65835AD-BB22-41EF-95AB-588919423062}" type="slidenum">
               <a:rPr lang="de-DE" smtClean="0"/>
+              <a:pPr/>
               <a:t>‹Nr.›</a:t>
             </a:fld>
             <a:endParaRPr lang="de-DE"/>
@@ -2558,7 +2581,7 @@
     </p:spTree>
     <p:extLst>
       <p:ext uri="{BB962C8B-B14F-4D97-AF65-F5344CB8AC3E}">
-        <p14:creationId xmlns:p14="http://schemas.microsoft.com/office/powerpoint/2010/main" val="1156498545"/>
+        <p14:creationId xmlns:p14="http://schemas.microsoft.com/office/powerpoint/2010/main" xmlns="" val="1156498545"/>
       </p:ext>
     </p:extLst>
   </p:cSld>
@@ -2720,7 +2743,8 @@
           <a:p>
             <a:fld id="{5AB710E5-5C32-4F77-B6A7-0C5F4289286C}" type="datetimeFigureOut">
               <a:rPr lang="de-DE" smtClean="0"/>
-              <a:t>17.08.2011</a:t>
+              <a:pPr/>
+              <a:t>09.10.2012</a:t>
             </a:fld>
             <a:endParaRPr lang="de-DE"/>
           </a:p>
@@ -2798,6 +2822,7 @@
           <a:p>
             <a:fld id="{F65835AD-BB22-41EF-95AB-588919423062}" type="slidenum">
               <a:rPr lang="de-DE" smtClean="0"/>
+              <a:pPr/>
               <a:t>‹Nr.›</a:t>
             </a:fld>
             <a:endParaRPr lang="de-DE"/>
@@ -2807,7 +2832,7 @@
     </p:spTree>
     <p:extLst>
       <p:ext uri="{BB962C8B-B14F-4D97-AF65-F5344CB8AC3E}">
-        <p14:creationId xmlns:p14="http://schemas.microsoft.com/office/powerpoint/2010/main" val="681512405"/>
+        <p14:creationId xmlns:p14="http://schemas.microsoft.com/office/powerpoint/2010/main" xmlns="" val="681512405"/>
       </p:ext>
     </p:extLst>
   </p:cSld>
@@ -3104,10 +3129,10 @@
           <p:nvPr/>
         </p:nvPicPr>
         <p:blipFill>
-          <a:blip r:embed="rId2">
+          <a:blip r:embed="rId2" cstate="print">
             <a:extLst>
               <a:ext uri="{28A0092B-C50C-407E-A947-70E740481C1C}">
-                <a14:useLocalDpi xmlns:a14="http://schemas.microsoft.com/office/drawing/2010/main" val="0"/>
+                <a14:useLocalDpi xmlns:a14="http://schemas.microsoft.com/office/drawing/2010/main" xmlns="" val="0"/>
               </a:ext>
             </a:extLst>
           </a:blip>
@@ -3131,14 +3156,14 @@
           <a:effectLst/>
           <a:extLst>
             <a:ext uri="{909E8E84-426E-40DD-AFC4-6F175D3DCCD1}">
-              <a14:hiddenFill xmlns:a14="http://schemas.microsoft.com/office/drawing/2010/main">
+              <a14:hiddenFill xmlns:a14="http://schemas.microsoft.com/office/drawing/2010/main" xmlns="">
                 <a:solidFill>
                   <a:schemeClr val="accent1"/>
                 </a:solidFill>
               </a14:hiddenFill>
             </a:ext>
             <a:ext uri="{91240B29-F687-4F45-9708-019B960494DF}">
-              <a14:hiddenLine xmlns:a14="http://schemas.microsoft.com/office/drawing/2010/main" w="9525">
+              <a14:hiddenLine xmlns:a14="http://schemas.microsoft.com/office/drawing/2010/main" xmlns="" w="9525">
                 <a:solidFill>
                   <a:schemeClr val="tx1"/>
                 </a:solidFill>
@@ -3148,7 +3173,7 @@
               </a14:hiddenLine>
             </a:ext>
             <a:ext uri="{AF507438-7753-43E0-B8FC-AC1667EBCBE1}">
-              <a14:hiddenEffects xmlns:a14="http://schemas.microsoft.com/office/drawing/2010/main">
+              <a14:hiddenEffects xmlns:a14="http://schemas.microsoft.com/office/drawing/2010/main" xmlns="">
                 <a:effectLst>
                   <a:outerShdw dist="35921" dir="2700000" algn="ctr" rotWithShape="0">
                     <a:schemeClr val="bg2"/>
@@ -3761,7 +3786,7 @@
     </p:spTree>
     <p:extLst>
       <p:ext uri="{BB962C8B-B14F-4D97-AF65-F5344CB8AC3E}">
-        <p14:creationId xmlns:p14="http://schemas.microsoft.com/office/powerpoint/2010/main" val="1563934006"/>
+        <p14:creationId xmlns:p14="http://schemas.microsoft.com/office/powerpoint/2010/main" xmlns="" val="1563934006"/>
       </p:ext>
     </p:extLst>
   </p:cSld>
@@ -3774,6 +3799,1435 @@
         <p:cTn id="1" dur="indefinite" restart="never" nodeType="tmRoot"/>
       </p:par>
     </p:tnLst>
+  </p:timing>
+</p:sld>
+</file>
+
+<file path=ppt/slides/slide2.xml><?xml version="1.0" encoding="utf-8"?>
+<p:sld xmlns:a="http://schemas.openxmlformats.org/drawingml/2006/main" xmlns:r="http://schemas.openxmlformats.org/officeDocument/2006/relationships" xmlns:p="http://schemas.openxmlformats.org/presentationml/2006/main">
+  <p:cSld>
+    <p:spTree>
+      <p:nvGrpSpPr>
+        <p:cNvPr id="1" name=""/>
+        <p:cNvGrpSpPr/>
+        <p:nvPr/>
+      </p:nvGrpSpPr>
+      <p:grpSpPr>
+        <a:xfrm>
+          <a:off x="0" y="0"/>
+          <a:ext cx="0" cy="0"/>
+          <a:chOff x="0" y="0"/>
+          <a:chExt cx="0" cy="0"/>
+        </a:xfrm>
+      </p:grpSpPr>
+      <p:sp>
+        <p:nvSpPr>
+          <p:cNvPr id="2" name="Titel 1"/>
+          <p:cNvSpPr>
+            <a:spLocks noGrp="1"/>
+          </p:cNvSpPr>
+          <p:nvPr>
+            <p:ph type="title"/>
+          </p:nvPr>
+        </p:nvSpPr>
+        <p:spPr/>
+        <p:txBody>
+          <a:bodyPr>
+            <a:normAutofit fontScale="90000"/>
+          </a:bodyPr>
+          <a:lstStyle/>
+          <a:p>
+            <a:r>
+              <a:rPr lang="de-DE" dirty="0" smtClean="0"/>
+              <a:t>Kommunikation zwischen mobiler </a:t>
+            </a:r>
+            <a:r>
+              <a:rPr lang="de-DE" dirty="0" err="1" smtClean="0"/>
+              <a:t>App</a:t>
+            </a:r>
+            <a:r>
+              <a:rPr lang="de-DE" dirty="0" smtClean="0"/>
+              <a:t> und Repository Datenbank</a:t>
+            </a:r>
+            <a:endParaRPr lang="de-DE" dirty="0"/>
+          </a:p>
+        </p:txBody>
+      </p:sp>
+      <p:sp>
+        <p:nvSpPr>
+          <p:cNvPr id="4" name="Pfeil nach links und rechts 3"/>
+          <p:cNvSpPr/>
+          <p:nvPr/>
+        </p:nvSpPr>
+        <p:spPr>
+          <a:xfrm>
+            <a:off x="3351858" y="3354710"/>
+            <a:ext cx="2500312" cy="484187"/>
+          </a:xfrm>
+          <a:prstGeom prst="leftRightArrow">
+            <a:avLst/>
+          </a:prstGeom>
+          <a:solidFill>
+            <a:schemeClr val="accent1"/>
+          </a:solidFill>
+        </p:spPr>
+        <p:style>
+          <a:lnRef idx="3">
+            <a:schemeClr val="lt1"/>
+          </a:lnRef>
+          <a:fillRef idx="1">
+            <a:schemeClr val="accent3"/>
+          </a:fillRef>
+          <a:effectRef idx="1">
+            <a:schemeClr val="accent3"/>
+          </a:effectRef>
+          <a:fontRef idx="minor">
+            <a:schemeClr val="lt1"/>
+          </a:fontRef>
+        </p:style>
+        <p:txBody>
+          <a:bodyPr anchor="ctr"/>
+          <a:lstStyle/>
+          <a:p>
+            <a:pPr algn="ctr" fontAlgn="auto">
+              <a:spcBef>
+                <a:spcPts val="0"/>
+              </a:spcBef>
+              <a:spcAft>
+                <a:spcPts val="0"/>
+              </a:spcAft>
+              <a:defRPr/>
+            </a:pPr>
+            <a:endParaRPr lang="de-DE"/>
+          </a:p>
+        </p:txBody>
+      </p:sp>
+      <p:sp>
+        <p:nvSpPr>
+          <p:cNvPr id="5" name="Abgerundetes Rechteck 4"/>
+          <p:cNvSpPr/>
+          <p:nvPr/>
+        </p:nvSpPr>
+        <p:spPr>
+          <a:xfrm>
+            <a:off x="1348433" y="2711772"/>
+            <a:ext cx="2003425" cy="1428750"/>
+          </a:xfrm>
+          <a:prstGeom prst="roundRect">
+            <a:avLst/>
+          </a:prstGeom>
+          <a:ln/>
+        </p:spPr>
+        <p:style>
+          <a:lnRef idx="2">
+            <a:schemeClr val="accent1">
+              <a:shade val="50000"/>
+            </a:schemeClr>
+          </a:lnRef>
+          <a:fillRef idx="1">
+            <a:schemeClr val="accent1"/>
+          </a:fillRef>
+          <a:effectRef idx="0">
+            <a:schemeClr val="accent1"/>
+          </a:effectRef>
+          <a:fontRef idx="minor">
+            <a:schemeClr val="lt1"/>
+          </a:fontRef>
+        </p:style>
+        <p:txBody>
+          <a:bodyPr anchor="b"/>
+          <a:lstStyle/>
+          <a:p>
+            <a:pPr algn="ctr" fontAlgn="auto">
+              <a:spcBef>
+                <a:spcPts val="0"/>
+              </a:spcBef>
+              <a:spcAft>
+                <a:spcPts val="0"/>
+              </a:spcAft>
+              <a:defRPr/>
+            </a:pPr>
+            <a:endParaRPr lang="de-DE" sz="1100" dirty="0"/>
+          </a:p>
+        </p:txBody>
+      </p:sp>
+      <p:sp>
+        <p:nvSpPr>
+          <p:cNvPr id="6" name="Zylinder 5"/>
+          <p:cNvSpPr/>
+          <p:nvPr/>
+        </p:nvSpPr>
+        <p:spPr>
+          <a:xfrm>
+            <a:off x="1494483" y="2926085"/>
+            <a:ext cx="785812" cy="785812"/>
+          </a:xfrm>
+          <a:prstGeom prst="can">
+            <a:avLst/>
+          </a:prstGeom>
+          <a:solidFill>
+            <a:schemeClr val="tx2">
+              <a:lumMod val="40000"/>
+              <a:lumOff val="60000"/>
+            </a:schemeClr>
+          </a:solidFill>
+          <a:ln>
+            <a:solidFill>
+              <a:schemeClr val="bg1">
+                <a:lumMod val="95000"/>
+              </a:schemeClr>
+            </a:solidFill>
+          </a:ln>
+        </p:spPr>
+        <p:style>
+          <a:lnRef idx="3">
+            <a:schemeClr val="lt1"/>
+          </a:lnRef>
+          <a:fillRef idx="1">
+            <a:schemeClr val="accent1"/>
+          </a:fillRef>
+          <a:effectRef idx="1">
+            <a:schemeClr val="accent1"/>
+          </a:effectRef>
+          <a:fontRef idx="minor">
+            <a:schemeClr val="lt1"/>
+          </a:fontRef>
+        </p:style>
+        <p:txBody>
+          <a:bodyPr/>
+          <a:lstStyle/>
+          <a:p>
+            <a:pPr algn="ctr" fontAlgn="auto">
+              <a:spcBef>
+                <a:spcPts val="0"/>
+              </a:spcBef>
+              <a:spcAft>
+                <a:spcPts val="0"/>
+              </a:spcAft>
+              <a:defRPr/>
+            </a:pPr>
+            <a:r>
+              <a:rPr lang="de-DE" sz="1000" dirty="0"/>
+              <a:t>Taxonomie</a:t>
+            </a:r>
+          </a:p>
+        </p:txBody>
+      </p:sp>
+      <p:sp>
+        <p:nvSpPr>
+          <p:cNvPr id="7" name="Geschweifte Klammer links 6"/>
+          <p:cNvSpPr/>
+          <p:nvPr/>
+        </p:nvSpPr>
+        <p:spPr>
+          <a:xfrm>
+            <a:off x="1137295" y="2711772"/>
+            <a:ext cx="139700" cy="1500188"/>
+          </a:xfrm>
+          <a:prstGeom prst="leftBrace">
+            <a:avLst/>
+          </a:prstGeom>
+        </p:spPr>
+        <p:style>
+          <a:lnRef idx="2">
+            <a:schemeClr val="dk1"/>
+          </a:lnRef>
+          <a:fillRef idx="0">
+            <a:schemeClr val="dk1"/>
+          </a:fillRef>
+          <a:effectRef idx="1">
+            <a:schemeClr val="dk1"/>
+          </a:effectRef>
+          <a:fontRef idx="minor">
+            <a:schemeClr val="tx1"/>
+          </a:fontRef>
+        </p:style>
+        <p:txBody>
+          <a:bodyPr anchor="ctr"/>
+          <a:lstStyle/>
+          <a:p>
+            <a:pPr algn="ctr" fontAlgn="auto">
+              <a:spcBef>
+                <a:spcPts val="0"/>
+              </a:spcBef>
+              <a:spcAft>
+                <a:spcPts val="0"/>
+              </a:spcAft>
+              <a:defRPr/>
+            </a:pPr>
+            <a:endParaRPr lang="de-DE"/>
+          </a:p>
+        </p:txBody>
+      </p:sp>
+      <p:sp>
+        <p:nvSpPr>
+          <p:cNvPr id="8" name="Abgerundetes Rechteck 7"/>
+          <p:cNvSpPr/>
+          <p:nvPr/>
+        </p:nvSpPr>
+        <p:spPr>
+          <a:xfrm>
+            <a:off x="3851920" y="3068960"/>
+            <a:ext cx="1500188" cy="1057275"/>
+          </a:xfrm>
+          <a:prstGeom prst="roundRect">
+            <a:avLst/>
+          </a:prstGeom>
+          <a:solidFill>
+            <a:schemeClr val="accent1"/>
+          </a:solidFill>
+        </p:spPr>
+        <p:style>
+          <a:lnRef idx="3">
+            <a:schemeClr val="lt1"/>
+          </a:lnRef>
+          <a:fillRef idx="1">
+            <a:schemeClr val="accent3"/>
+          </a:fillRef>
+          <a:effectRef idx="1">
+            <a:schemeClr val="accent3"/>
+          </a:effectRef>
+          <a:fontRef idx="minor">
+            <a:schemeClr val="lt1"/>
+          </a:fontRef>
+        </p:style>
+        <p:txBody>
+          <a:bodyPr anchor="ctr"/>
+          <a:lstStyle/>
+          <a:p>
+            <a:pPr algn="ctr" fontAlgn="auto">
+              <a:spcBef>
+                <a:spcPts val="0"/>
+              </a:spcBef>
+              <a:spcAft>
+                <a:spcPts val="0"/>
+              </a:spcAft>
+              <a:defRPr/>
+            </a:pPr>
+            <a:r>
+              <a:rPr lang="de-DE" sz="1400" dirty="0" smtClean="0"/>
+              <a:t>WebServices</a:t>
+            </a:r>
+          </a:p>
+        </p:txBody>
+      </p:sp>
+      <p:sp>
+        <p:nvSpPr>
+          <p:cNvPr id="9" name="Geschweifte Klammer links 8"/>
+          <p:cNvSpPr/>
+          <p:nvPr/>
+        </p:nvSpPr>
+        <p:spPr>
+          <a:xfrm rot="16200000">
+            <a:off x="4571058" y="3157860"/>
+            <a:ext cx="155575" cy="2428875"/>
+          </a:xfrm>
+          <a:prstGeom prst="leftBrace">
+            <a:avLst/>
+          </a:prstGeom>
+        </p:spPr>
+        <p:style>
+          <a:lnRef idx="2">
+            <a:schemeClr val="dk1"/>
+          </a:lnRef>
+          <a:fillRef idx="0">
+            <a:schemeClr val="dk1"/>
+          </a:fillRef>
+          <a:effectRef idx="1">
+            <a:schemeClr val="dk1"/>
+          </a:effectRef>
+          <a:fontRef idx="minor">
+            <a:schemeClr val="tx1"/>
+          </a:fontRef>
+        </p:style>
+        <p:txBody>
+          <a:bodyPr anchor="ctr"/>
+          <a:lstStyle/>
+          <a:p>
+            <a:pPr algn="ctr" fontAlgn="auto">
+              <a:spcBef>
+                <a:spcPts val="0"/>
+              </a:spcBef>
+              <a:spcAft>
+                <a:spcPts val="0"/>
+              </a:spcAft>
+              <a:defRPr/>
+            </a:pPr>
+            <a:endParaRPr lang="de-DE"/>
+          </a:p>
+        </p:txBody>
+      </p:sp>
+      <p:sp>
+        <p:nvSpPr>
+          <p:cNvPr id="10" name="Textfeld 9"/>
+          <p:cNvSpPr txBox="1">
+            <a:spLocks noChangeArrowheads="1"/>
+          </p:cNvSpPr>
+          <p:nvPr/>
+        </p:nvSpPr>
+        <p:spPr bwMode="auto">
+          <a:xfrm>
+            <a:off x="3818583" y="4435797"/>
+            <a:ext cx="1655762" cy="338138"/>
+          </a:xfrm>
+          <a:prstGeom prst="rect">
+            <a:avLst/>
+          </a:prstGeom>
+          <a:noFill/>
+          <a:ln w="9525">
+            <a:noFill/>
+            <a:miter lim="800000"/>
+            <a:headEnd/>
+            <a:tailEnd/>
+          </a:ln>
+        </p:spPr>
+        <p:txBody>
+          <a:bodyPr wrap="none">
+            <a:spAutoFit/>
+          </a:bodyPr>
+          <a:lstStyle/>
+          <a:p>
+            <a:pPr algn="ctr"/>
+            <a:r>
+              <a:rPr lang="de-DE" sz="1600">
+                <a:latin typeface="Calibri" pitchFamily="34" charset="0"/>
+              </a:rPr>
+              <a:t>Daten Transport</a:t>
+            </a:r>
+          </a:p>
+        </p:txBody>
+      </p:sp>
+      <p:sp>
+        <p:nvSpPr>
+          <p:cNvPr id="11" name="Geschweifte Klammer links 10"/>
+          <p:cNvSpPr/>
+          <p:nvPr/>
+        </p:nvSpPr>
+        <p:spPr>
+          <a:xfrm rot="16200000">
+            <a:off x="2202508" y="3308672"/>
+            <a:ext cx="174625" cy="2124075"/>
+          </a:xfrm>
+          <a:prstGeom prst="leftBrace">
+            <a:avLst/>
+          </a:prstGeom>
+        </p:spPr>
+        <p:style>
+          <a:lnRef idx="2">
+            <a:schemeClr val="dk1"/>
+          </a:lnRef>
+          <a:fillRef idx="0">
+            <a:schemeClr val="dk1"/>
+          </a:fillRef>
+          <a:effectRef idx="1">
+            <a:schemeClr val="dk1"/>
+          </a:effectRef>
+          <a:fontRef idx="minor">
+            <a:schemeClr val="tx1"/>
+          </a:fontRef>
+        </p:style>
+        <p:txBody>
+          <a:bodyPr anchor="ctr"/>
+          <a:lstStyle/>
+          <a:p>
+            <a:pPr algn="ctr" fontAlgn="auto">
+              <a:spcBef>
+                <a:spcPts val="0"/>
+              </a:spcBef>
+              <a:spcAft>
+                <a:spcPts val="0"/>
+              </a:spcAft>
+              <a:defRPr/>
+            </a:pPr>
+            <a:endParaRPr lang="de-DE"/>
+          </a:p>
+        </p:txBody>
+      </p:sp>
+      <p:sp>
+        <p:nvSpPr>
+          <p:cNvPr id="12" name="Textfeld 11"/>
+          <p:cNvSpPr txBox="1">
+            <a:spLocks noChangeArrowheads="1"/>
+          </p:cNvSpPr>
+          <p:nvPr/>
+        </p:nvSpPr>
+        <p:spPr bwMode="auto">
+          <a:xfrm>
+            <a:off x="1565920" y="4435797"/>
+            <a:ext cx="1779588" cy="338138"/>
+          </a:xfrm>
+          <a:prstGeom prst="rect">
+            <a:avLst/>
+          </a:prstGeom>
+          <a:noFill/>
+          <a:ln w="9525">
+            <a:noFill/>
+            <a:miter lim="800000"/>
+            <a:headEnd/>
+            <a:tailEnd/>
+          </a:ln>
+        </p:spPr>
+        <p:txBody>
+          <a:bodyPr wrap="none">
+            <a:spAutoFit/>
+          </a:bodyPr>
+          <a:lstStyle/>
+          <a:p>
+            <a:r>
+              <a:rPr lang="de-DE" sz="1600">
+                <a:latin typeface="Calibri" pitchFamily="34" charset="0"/>
+              </a:rPr>
+              <a:t>Mobiles Endgerät</a:t>
+            </a:r>
+          </a:p>
+        </p:txBody>
+      </p:sp>
+      <p:sp>
+        <p:nvSpPr>
+          <p:cNvPr id="13" name="Zylinder 12"/>
+          <p:cNvSpPr/>
+          <p:nvPr/>
+        </p:nvSpPr>
+        <p:spPr>
+          <a:xfrm>
+            <a:off x="5995045" y="2997522"/>
+            <a:ext cx="857250" cy="1000125"/>
+          </a:xfrm>
+          <a:prstGeom prst="can">
+            <a:avLst/>
+          </a:prstGeom>
+          <a:solidFill>
+            <a:schemeClr val="accent1"/>
+          </a:solidFill>
+          <a:ln/>
+        </p:spPr>
+        <p:style>
+          <a:lnRef idx="3">
+            <a:schemeClr val="lt1"/>
+          </a:lnRef>
+          <a:fillRef idx="1">
+            <a:schemeClr val="accent1"/>
+          </a:fillRef>
+          <a:effectRef idx="1">
+            <a:schemeClr val="accent1"/>
+          </a:effectRef>
+          <a:fontRef idx="minor">
+            <a:schemeClr val="lt1"/>
+          </a:fontRef>
+        </p:style>
+        <p:txBody>
+          <a:bodyPr anchor="ctr"/>
+          <a:lstStyle/>
+          <a:p>
+            <a:pPr algn="ctr" fontAlgn="auto">
+              <a:spcBef>
+                <a:spcPts val="0"/>
+              </a:spcBef>
+              <a:spcAft>
+                <a:spcPts val="0"/>
+              </a:spcAft>
+              <a:defRPr/>
+            </a:pPr>
+            <a:r>
+              <a:rPr lang="de-DE" sz="1200" dirty="0"/>
+              <a:t>Media</a:t>
+            </a:r>
+          </a:p>
+          <a:p>
+            <a:pPr algn="ctr" fontAlgn="auto">
+              <a:spcBef>
+                <a:spcPts val="0"/>
+              </a:spcBef>
+              <a:spcAft>
+                <a:spcPts val="0"/>
+              </a:spcAft>
+              <a:defRPr/>
+            </a:pPr>
+            <a:r>
+              <a:rPr lang="de-DE" sz="1200" dirty="0"/>
+              <a:t>Datenbank</a:t>
+            </a:r>
+          </a:p>
+        </p:txBody>
+      </p:sp>
+      <p:sp>
+        <p:nvSpPr>
+          <p:cNvPr id="14" name="Geschweifte Klammer links 13"/>
+          <p:cNvSpPr/>
+          <p:nvPr/>
+        </p:nvSpPr>
+        <p:spPr>
+          <a:xfrm rot="16200000">
+            <a:off x="6845945" y="3432497"/>
+            <a:ext cx="155575" cy="1857375"/>
+          </a:xfrm>
+          <a:prstGeom prst="leftBrace">
+            <a:avLst/>
+          </a:prstGeom>
+        </p:spPr>
+        <p:style>
+          <a:lnRef idx="2">
+            <a:schemeClr val="dk1"/>
+          </a:lnRef>
+          <a:fillRef idx="0">
+            <a:schemeClr val="dk1"/>
+          </a:fillRef>
+          <a:effectRef idx="1">
+            <a:schemeClr val="dk1"/>
+          </a:effectRef>
+          <a:fontRef idx="minor">
+            <a:schemeClr val="tx1"/>
+          </a:fontRef>
+        </p:style>
+        <p:txBody>
+          <a:bodyPr anchor="ctr"/>
+          <a:lstStyle/>
+          <a:p>
+            <a:pPr algn="ctr" fontAlgn="auto">
+              <a:spcBef>
+                <a:spcPts val="0"/>
+              </a:spcBef>
+              <a:spcAft>
+                <a:spcPts val="0"/>
+              </a:spcAft>
+              <a:defRPr/>
+            </a:pPr>
+            <a:endParaRPr lang="de-DE"/>
+          </a:p>
+        </p:txBody>
+      </p:sp>
+      <p:sp>
+        <p:nvSpPr>
+          <p:cNvPr id="15" name="Textfeld 14"/>
+          <p:cNvSpPr txBox="1">
+            <a:spLocks noChangeArrowheads="1"/>
+          </p:cNvSpPr>
+          <p:nvPr/>
+        </p:nvSpPr>
+        <p:spPr bwMode="auto">
+          <a:xfrm>
+            <a:off x="6566545" y="4435797"/>
+            <a:ext cx="741363" cy="338138"/>
+          </a:xfrm>
+          <a:prstGeom prst="rect">
+            <a:avLst/>
+          </a:prstGeom>
+          <a:noFill/>
+          <a:ln w="9525">
+            <a:noFill/>
+            <a:miter lim="800000"/>
+            <a:headEnd/>
+            <a:tailEnd/>
+          </a:ln>
+        </p:spPr>
+        <p:txBody>
+          <a:bodyPr wrap="none">
+            <a:spAutoFit/>
+          </a:bodyPr>
+          <a:lstStyle/>
+          <a:p>
+            <a:r>
+              <a:rPr lang="de-DE" sz="1600">
+                <a:latin typeface="Calibri" pitchFamily="34" charset="0"/>
+              </a:rPr>
+              <a:t>SNSB</a:t>
+            </a:r>
+          </a:p>
+        </p:txBody>
+      </p:sp>
+      <p:sp>
+        <p:nvSpPr>
+          <p:cNvPr id="20" name="Zylinder 19"/>
+          <p:cNvSpPr/>
+          <p:nvPr/>
+        </p:nvSpPr>
+        <p:spPr>
+          <a:xfrm>
+            <a:off x="6566545" y="3068960"/>
+            <a:ext cx="914400" cy="1216025"/>
+          </a:xfrm>
+          <a:prstGeom prst="can">
+            <a:avLst/>
+          </a:prstGeom>
+          <a:solidFill>
+            <a:schemeClr val="accent1"/>
+          </a:solidFill>
+          <a:ln/>
+        </p:spPr>
+        <p:style>
+          <a:lnRef idx="3">
+            <a:schemeClr val="lt1"/>
+          </a:lnRef>
+          <a:fillRef idx="1">
+            <a:schemeClr val="accent1"/>
+          </a:fillRef>
+          <a:effectRef idx="1">
+            <a:schemeClr val="accent1"/>
+          </a:effectRef>
+          <a:fontRef idx="minor">
+            <a:schemeClr val="lt1"/>
+          </a:fontRef>
+        </p:style>
+        <p:txBody>
+          <a:bodyPr anchor="ctr"/>
+          <a:lstStyle/>
+          <a:p>
+            <a:pPr algn="ctr" fontAlgn="auto">
+              <a:spcBef>
+                <a:spcPts val="0"/>
+              </a:spcBef>
+              <a:spcAft>
+                <a:spcPts val="0"/>
+              </a:spcAft>
+              <a:defRPr/>
+            </a:pPr>
+            <a:r>
+              <a:rPr lang="de-DE" sz="1200" dirty="0" err="1"/>
+              <a:t>Diversity</a:t>
+            </a:r>
+            <a:endParaRPr lang="de-DE" sz="1200" dirty="0"/>
+          </a:p>
+          <a:p>
+            <a:pPr algn="ctr" fontAlgn="auto">
+              <a:spcBef>
+                <a:spcPts val="0"/>
+              </a:spcBef>
+              <a:spcAft>
+                <a:spcPts val="0"/>
+              </a:spcAft>
+              <a:defRPr/>
+            </a:pPr>
+            <a:r>
+              <a:rPr lang="de-DE" sz="1200" dirty="0" err="1"/>
+              <a:t>Collection</a:t>
+            </a:r>
+            <a:endParaRPr lang="de-DE" sz="1200" dirty="0"/>
+          </a:p>
+        </p:txBody>
+      </p:sp>
+      <p:sp>
+        <p:nvSpPr>
+          <p:cNvPr id="21" name="Zylinder 20"/>
+          <p:cNvSpPr/>
+          <p:nvPr/>
+        </p:nvSpPr>
+        <p:spPr>
+          <a:xfrm>
+            <a:off x="2280295" y="2854647"/>
+            <a:ext cx="785813" cy="785813"/>
+          </a:xfrm>
+          <a:prstGeom prst="can">
+            <a:avLst/>
+          </a:prstGeom>
+          <a:solidFill>
+            <a:schemeClr val="tx2">
+              <a:lumMod val="40000"/>
+              <a:lumOff val="60000"/>
+            </a:schemeClr>
+          </a:solidFill>
+          <a:ln>
+            <a:solidFill>
+              <a:schemeClr val="bg1">
+                <a:lumMod val="95000"/>
+              </a:schemeClr>
+            </a:solidFill>
+          </a:ln>
+        </p:spPr>
+        <p:style>
+          <a:lnRef idx="3">
+            <a:schemeClr val="lt1"/>
+          </a:lnRef>
+          <a:fillRef idx="1">
+            <a:schemeClr val="accent1"/>
+          </a:fillRef>
+          <a:effectRef idx="1">
+            <a:schemeClr val="accent1"/>
+          </a:effectRef>
+          <a:fontRef idx="minor">
+            <a:schemeClr val="lt1"/>
+          </a:fontRef>
+        </p:style>
+        <p:txBody>
+          <a:bodyPr/>
+          <a:lstStyle/>
+          <a:p>
+            <a:pPr algn="ctr" fontAlgn="auto">
+              <a:spcBef>
+                <a:spcPts val="0"/>
+              </a:spcBef>
+              <a:spcAft>
+                <a:spcPts val="0"/>
+              </a:spcAft>
+              <a:defRPr/>
+            </a:pPr>
+            <a:r>
+              <a:rPr lang="de-DE" sz="1000" dirty="0"/>
+              <a:t>Multimedia</a:t>
+            </a:r>
+          </a:p>
+        </p:txBody>
+      </p:sp>
+      <p:sp>
+        <p:nvSpPr>
+          <p:cNvPr id="22" name="Zylinder 21"/>
+          <p:cNvSpPr/>
+          <p:nvPr/>
+        </p:nvSpPr>
+        <p:spPr>
+          <a:xfrm>
+            <a:off x="1708795" y="3354710"/>
+            <a:ext cx="1214438" cy="714375"/>
+          </a:xfrm>
+          <a:prstGeom prst="can">
+            <a:avLst/>
+          </a:prstGeom>
+          <a:solidFill>
+            <a:schemeClr val="tx2">
+              <a:lumMod val="40000"/>
+              <a:lumOff val="60000"/>
+            </a:schemeClr>
+          </a:solidFill>
+          <a:ln>
+            <a:solidFill>
+              <a:schemeClr val="bg1">
+                <a:lumMod val="95000"/>
+              </a:schemeClr>
+            </a:solidFill>
+          </a:ln>
+        </p:spPr>
+        <p:style>
+          <a:lnRef idx="3">
+            <a:schemeClr val="lt1"/>
+          </a:lnRef>
+          <a:fillRef idx="1">
+            <a:schemeClr val="accent1"/>
+          </a:fillRef>
+          <a:effectRef idx="1">
+            <a:schemeClr val="accent1"/>
+          </a:effectRef>
+          <a:fontRef idx="minor">
+            <a:schemeClr val="lt1"/>
+          </a:fontRef>
+        </p:style>
+        <p:txBody>
+          <a:bodyPr anchor="ctr"/>
+          <a:lstStyle/>
+          <a:p>
+            <a:pPr algn="ctr" fontAlgn="auto">
+              <a:spcBef>
+                <a:spcPts val="0"/>
+              </a:spcBef>
+              <a:spcAft>
+                <a:spcPts val="0"/>
+              </a:spcAft>
+              <a:defRPr/>
+            </a:pPr>
+            <a:r>
+              <a:rPr lang="de-DE" sz="1000" dirty="0"/>
+              <a:t>Daten</a:t>
+            </a:r>
+          </a:p>
+        </p:txBody>
+      </p:sp>
+    </p:spTree>
+  </p:cSld>
+  <p:clrMapOvr>
+    <a:masterClrMapping/>
+  </p:clrMapOvr>
+  <p:timing>
+    <p:tnLst>
+      <p:par>
+        <p:cTn id="1" dur="indefinite" restart="never" nodeType="tmRoot">
+          <p:childTnLst>
+            <p:seq concurrent="1" nextAc="seek">
+              <p:cTn id="2" dur="indefinite" nodeType="mainSeq">
+                <p:childTnLst>
+                  <p:par>
+                    <p:cTn id="3" fill="hold">
+                      <p:stCondLst>
+                        <p:cond delay="indefinite"/>
+                      </p:stCondLst>
+                      <p:childTnLst>
+                        <p:par>
+                          <p:cTn id="4" fill="hold">
+                            <p:stCondLst>
+                              <p:cond delay="0"/>
+                            </p:stCondLst>
+                            <p:childTnLst>
+                              <p:par>
+                                <p:cTn id="5" presetID="9" presetClass="entr" presetSubtype="0" fill="hold" nodeType="clickEffect">
+                                  <p:stCondLst>
+                                    <p:cond delay="0"/>
+                                  </p:stCondLst>
+                                  <p:childTnLst>
+                                    <p:set>
+                                      <p:cBhvr>
+                                        <p:cTn id="6" dur="1" fill="hold">
+                                          <p:stCondLst>
+                                            <p:cond delay="0"/>
+                                          </p:stCondLst>
+                                        </p:cTn>
+                                        <p:tgtEl>
+                                          <p:spTgt spid="22"/>
+                                        </p:tgtEl>
+                                        <p:attrNameLst>
+                                          <p:attrName>style.visibility</p:attrName>
+                                        </p:attrNameLst>
+                                      </p:cBhvr>
+                                      <p:to>
+                                        <p:strVal val="visible"/>
+                                      </p:to>
+                                    </p:set>
+                                    <p:animEffect transition="in" filter="dissolve">
+                                      <p:cBhvr>
+                                        <p:cTn id="7" dur="500"/>
+                                        <p:tgtEl>
+                                          <p:spTgt spid="22"/>
+                                        </p:tgtEl>
+                                      </p:cBhvr>
+                                    </p:animEffect>
+                                  </p:childTnLst>
+                                </p:cTn>
+                              </p:par>
+                              <p:par>
+                                <p:cTn id="8" presetID="9" presetClass="entr" presetSubtype="0" fill="hold" nodeType="withEffect">
+                                  <p:stCondLst>
+                                    <p:cond delay="0"/>
+                                  </p:stCondLst>
+                                  <p:childTnLst>
+                                    <p:set>
+                                      <p:cBhvr>
+                                        <p:cTn id="9" dur="1" fill="hold">
+                                          <p:stCondLst>
+                                            <p:cond delay="0"/>
+                                          </p:stCondLst>
+                                        </p:cTn>
+                                        <p:tgtEl>
+                                          <p:spTgt spid="5"/>
+                                        </p:tgtEl>
+                                        <p:attrNameLst>
+                                          <p:attrName>style.visibility</p:attrName>
+                                        </p:attrNameLst>
+                                      </p:cBhvr>
+                                      <p:to>
+                                        <p:strVal val="visible"/>
+                                      </p:to>
+                                    </p:set>
+                                    <p:animEffect transition="in" filter="dissolve">
+                                      <p:cBhvr>
+                                        <p:cTn id="10" dur="500"/>
+                                        <p:tgtEl>
+                                          <p:spTgt spid="5"/>
+                                        </p:tgtEl>
+                                      </p:cBhvr>
+                                    </p:animEffect>
+                                  </p:childTnLst>
+                                </p:cTn>
+                              </p:par>
+                              <p:par>
+                                <p:cTn id="11" presetID="9" presetClass="entr" presetSubtype="0" fill="hold" nodeType="withEffect">
+                                  <p:stCondLst>
+                                    <p:cond delay="0"/>
+                                  </p:stCondLst>
+                                  <p:childTnLst>
+                                    <p:set>
+                                      <p:cBhvr>
+                                        <p:cTn id="12" dur="1" fill="hold">
+                                          <p:stCondLst>
+                                            <p:cond delay="0"/>
+                                          </p:stCondLst>
+                                        </p:cTn>
+                                        <p:tgtEl>
+                                          <p:spTgt spid="6"/>
+                                        </p:tgtEl>
+                                        <p:attrNameLst>
+                                          <p:attrName>style.visibility</p:attrName>
+                                        </p:attrNameLst>
+                                      </p:cBhvr>
+                                      <p:to>
+                                        <p:strVal val="visible"/>
+                                      </p:to>
+                                    </p:set>
+                                    <p:animEffect transition="in" filter="dissolve">
+                                      <p:cBhvr>
+                                        <p:cTn id="13" dur="500"/>
+                                        <p:tgtEl>
+                                          <p:spTgt spid="6"/>
+                                        </p:tgtEl>
+                                      </p:cBhvr>
+                                    </p:animEffect>
+                                  </p:childTnLst>
+                                </p:cTn>
+                              </p:par>
+                              <p:par>
+                                <p:cTn id="14" presetID="9" presetClass="entr" presetSubtype="0" fill="hold" nodeType="withEffect">
+                                  <p:stCondLst>
+                                    <p:cond delay="0"/>
+                                  </p:stCondLst>
+                                  <p:childTnLst>
+                                    <p:set>
+                                      <p:cBhvr>
+                                        <p:cTn id="15" dur="1" fill="hold">
+                                          <p:stCondLst>
+                                            <p:cond delay="0"/>
+                                          </p:stCondLst>
+                                        </p:cTn>
+                                        <p:tgtEl>
+                                          <p:spTgt spid="7"/>
+                                        </p:tgtEl>
+                                        <p:attrNameLst>
+                                          <p:attrName>style.visibility</p:attrName>
+                                        </p:attrNameLst>
+                                      </p:cBhvr>
+                                      <p:to>
+                                        <p:strVal val="visible"/>
+                                      </p:to>
+                                    </p:set>
+                                    <p:animEffect transition="in" filter="dissolve">
+                                      <p:cBhvr>
+                                        <p:cTn id="16" dur="500"/>
+                                        <p:tgtEl>
+                                          <p:spTgt spid="7"/>
+                                        </p:tgtEl>
+                                      </p:cBhvr>
+                                    </p:animEffect>
+                                  </p:childTnLst>
+                                </p:cTn>
+                              </p:par>
+                              <p:par>
+                                <p:cTn id="17" presetID="9" presetClass="entr" presetSubtype="0" fill="hold" nodeType="withEffect">
+                                  <p:stCondLst>
+                                    <p:cond delay="0"/>
+                                  </p:stCondLst>
+                                  <p:childTnLst>
+                                    <p:set>
+                                      <p:cBhvr>
+                                        <p:cTn id="18" dur="1" fill="hold">
+                                          <p:stCondLst>
+                                            <p:cond delay="0"/>
+                                          </p:stCondLst>
+                                        </p:cTn>
+                                        <p:tgtEl>
+                                          <p:spTgt spid="11"/>
+                                        </p:tgtEl>
+                                        <p:attrNameLst>
+                                          <p:attrName>style.visibility</p:attrName>
+                                        </p:attrNameLst>
+                                      </p:cBhvr>
+                                      <p:to>
+                                        <p:strVal val="visible"/>
+                                      </p:to>
+                                    </p:set>
+                                    <p:animEffect transition="in" filter="dissolve">
+                                      <p:cBhvr>
+                                        <p:cTn id="19" dur="500"/>
+                                        <p:tgtEl>
+                                          <p:spTgt spid="11"/>
+                                        </p:tgtEl>
+                                      </p:cBhvr>
+                                    </p:animEffect>
+                                  </p:childTnLst>
+                                </p:cTn>
+                              </p:par>
+                              <p:par>
+                                <p:cTn id="20" presetID="9" presetClass="entr" presetSubtype="0" fill="hold" nodeType="withEffect">
+                                  <p:stCondLst>
+                                    <p:cond delay="0"/>
+                                  </p:stCondLst>
+                                  <p:childTnLst>
+                                    <p:set>
+                                      <p:cBhvr>
+                                        <p:cTn id="21" dur="1" fill="hold">
+                                          <p:stCondLst>
+                                            <p:cond delay="0"/>
+                                          </p:stCondLst>
+                                        </p:cTn>
+                                        <p:tgtEl>
+                                          <p:spTgt spid="12"/>
+                                        </p:tgtEl>
+                                        <p:attrNameLst>
+                                          <p:attrName>style.visibility</p:attrName>
+                                        </p:attrNameLst>
+                                      </p:cBhvr>
+                                      <p:to>
+                                        <p:strVal val="visible"/>
+                                      </p:to>
+                                    </p:set>
+                                    <p:animEffect transition="in" filter="dissolve">
+                                      <p:cBhvr>
+                                        <p:cTn id="22" dur="500"/>
+                                        <p:tgtEl>
+                                          <p:spTgt spid="12"/>
+                                        </p:tgtEl>
+                                      </p:cBhvr>
+                                    </p:animEffect>
+                                  </p:childTnLst>
+                                </p:cTn>
+                              </p:par>
+                              <p:par>
+                                <p:cTn id="23" presetID="9" presetClass="entr" presetSubtype="0" fill="hold" grpId="0" nodeType="withEffect">
+                                  <p:stCondLst>
+                                    <p:cond delay="0"/>
+                                  </p:stCondLst>
+                                  <p:childTnLst>
+                                    <p:set>
+                                      <p:cBhvr>
+                                        <p:cTn id="24" dur="1" fill="hold">
+                                          <p:stCondLst>
+                                            <p:cond delay="0"/>
+                                          </p:stCondLst>
+                                        </p:cTn>
+                                        <p:tgtEl>
+                                          <p:spTgt spid="21"/>
+                                        </p:tgtEl>
+                                        <p:attrNameLst>
+                                          <p:attrName>style.visibility</p:attrName>
+                                        </p:attrNameLst>
+                                      </p:cBhvr>
+                                      <p:to>
+                                        <p:strVal val="visible"/>
+                                      </p:to>
+                                    </p:set>
+                                    <p:animEffect transition="in" filter="dissolve">
+                                      <p:cBhvr>
+                                        <p:cTn id="25" dur="500"/>
+                                        <p:tgtEl>
+                                          <p:spTgt spid="21"/>
+                                        </p:tgtEl>
+                                      </p:cBhvr>
+                                    </p:animEffect>
+                                  </p:childTnLst>
+                                </p:cTn>
+                              </p:par>
+                            </p:childTnLst>
+                          </p:cTn>
+                        </p:par>
+                      </p:childTnLst>
+                    </p:cTn>
+                  </p:par>
+                  <p:par>
+                    <p:cTn id="26" fill="hold">
+                      <p:stCondLst>
+                        <p:cond delay="indefinite"/>
+                      </p:stCondLst>
+                      <p:childTnLst>
+                        <p:par>
+                          <p:cTn id="27" fill="hold">
+                            <p:stCondLst>
+                              <p:cond delay="0"/>
+                            </p:stCondLst>
+                            <p:childTnLst>
+                              <p:par>
+                                <p:cTn id="28" presetID="9" presetClass="entr" presetSubtype="0" fill="hold" grpId="0" nodeType="clickEffect">
+                                  <p:stCondLst>
+                                    <p:cond delay="0"/>
+                                  </p:stCondLst>
+                                  <p:childTnLst>
+                                    <p:set>
+                                      <p:cBhvr>
+                                        <p:cTn id="29" dur="1" fill="hold">
+                                          <p:stCondLst>
+                                            <p:cond delay="0"/>
+                                          </p:stCondLst>
+                                        </p:cTn>
+                                        <p:tgtEl>
+                                          <p:spTgt spid="4"/>
+                                        </p:tgtEl>
+                                        <p:attrNameLst>
+                                          <p:attrName>style.visibility</p:attrName>
+                                        </p:attrNameLst>
+                                      </p:cBhvr>
+                                      <p:to>
+                                        <p:strVal val="visible"/>
+                                      </p:to>
+                                    </p:set>
+                                    <p:animEffect transition="in" filter="dissolve">
+                                      <p:cBhvr>
+                                        <p:cTn id="30" dur="500"/>
+                                        <p:tgtEl>
+                                          <p:spTgt spid="4"/>
+                                        </p:tgtEl>
+                                      </p:cBhvr>
+                                    </p:animEffect>
+                                  </p:childTnLst>
+                                </p:cTn>
+                              </p:par>
+                              <p:par>
+                                <p:cTn id="31" presetID="9" presetClass="entr" presetSubtype="0" fill="hold" nodeType="withEffect">
+                                  <p:stCondLst>
+                                    <p:cond delay="0"/>
+                                  </p:stCondLst>
+                                  <p:childTnLst>
+                                    <p:set>
+                                      <p:cBhvr>
+                                        <p:cTn id="32" dur="1" fill="hold">
+                                          <p:stCondLst>
+                                            <p:cond delay="0"/>
+                                          </p:stCondLst>
+                                        </p:cTn>
+                                        <p:tgtEl>
+                                          <p:spTgt spid="8"/>
+                                        </p:tgtEl>
+                                        <p:attrNameLst>
+                                          <p:attrName>style.visibility</p:attrName>
+                                        </p:attrNameLst>
+                                      </p:cBhvr>
+                                      <p:to>
+                                        <p:strVal val="visible"/>
+                                      </p:to>
+                                    </p:set>
+                                    <p:animEffect transition="in" filter="dissolve">
+                                      <p:cBhvr>
+                                        <p:cTn id="33" dur="500"/>
+                                        <p:tgtEl>
+                                          <p:spTgt spid="8"/>
+                                        </p:tgtEl>
+                                      </p:cBhvr>
+                                    </p:animEffect>
+                                  </p:childTnLst>
+                                </p:cTn>
+                              </p:par>
+                              <p:par>
+                                <p:cTn id="34" presetID="9" presetClass="entr" presetSubtype="0" fill="hold" nodeType="withEffect">
+                                  <p:stCondLst>
+                                    <p:cond delay="0"/>
+                                  </p:stCondLst>
+                                  <p:childTnLst>
+                                    <p:set>
+                                      <p:cBhvr>
+                                        <p:cTn id="35" dur="1" fill="hold">
+                                          <p:stCondLst>
+                                            <p:cond delay="0"/>
+                                          </p:stCondLst>
+                                        </p:cTn>
+                                        <p:tgtEl>
+                                          <p:spTgt spid="9"/>
+                                        </p:tgtEl>
+                                        <p:attrNameLst>
+                                          <p:attrName>style.visibility</p:attrName>
+                                        </p:attrNameLst>
+                                      </p:cBhvr>
+                                      <p:to>
+                                        <p:strVal val="visible"/>
+                                      </p:to>
+                                    </p:set>
+                                    <p:animEffect transition="in" filter="dissolve">
+                                      <p:cBhvr>
+                                        <p:cTn id="36" dur="500"/>
+                                        <p:tgtEl>
+                                          <p:spTgt spid="9"/>
+                                        </p:tgtEl>
+                                      </p:cBhvr>
+                                    </p:animEffect>
+                                  </p:childTnLst>
+                                </p:cTn>
+                              </p:par>
+                              <p:par>
+                                <p:cTn id="37" presetID="9" presetClass="entr" presetSubtype="0" fill="hold" nodeType="withEffect">
+                                  <p:stCondLst>
+                                    <p:cond delay="0"/>
+                                  </p:stCondLst>
+                                  <p:childTnLst>
+                                    <p:set>
+                                      <p:cBhvr>
+                                        <p:cTn id="38" dur="1" fill="hold">
+                                          <p:stCondLst>
+                                            <p:cond delay="0"/>
+                                          </p:stCondLst>
+                                        </p:cTn>
+                                        <p:tgtEl>
+                                          <p:spTgt spid="10"/>
+                                        </p:tgtEl>
+                                        <p:attrNameLst>
+                                          <p:attrName>style.visibility</p:attrName>
+                                        </p:attrNameLst>
+                                      </p:cBhvr>
+                                      <p:to>
+                                        <p:strVal val="visible"/>
+                                      </p:to>
+                                    </p:set>
+                                    <p:animEffect transition="in" filter="dissolve">
+                                      <p:cBhvr>
+                                        <p:cTn id="39" dur="500"/>
+                                        <p:tgtEl>
+                                          <p:spTgt spid="10"/>
+                                        </p:tgtEl>
+                                      </p:cBhvr>
+                                    </p:animEffect>
+                                  </p:childTnLst>
+                                </p:cTn>
+                              </p:par>
+                              <p:par>
+                                <p:cTn id="40" presetID="9" presetClass="entr" presetSubtype="0" fill="hold" nodeType="withEffect">
+                                  <p:stCondLst>
+                                    <p:cond delay="0"/>
+                                  </p:stCondLst>
+                                  <p:childTnLst>
+                                    <p:set>
+                                      <p:cBhvr>
+                                        <p:cTn id="41" dur="1" fill="hold">
+                                          <p:stCondLst>
+                                            <p:cond delay="0"/>
+                                          </p:stCondLst>
+                                        </p:cTn>
+                                        <p:tgtEl>
+                                          <p:spTgt spid="15"/>
+                                        </p:tgtEl>
+                                        <p:attrNameLst>
+                                          <p:attrName>style.visibility</p:attrName>
+                                        </p:attrNameLst>
+                                      </p:cBhvr>
+                                      <p:to>
+                                        <p:strVal val="visible"/>
+                                      </p:to>
+                                    </p:set>
+                                    <p:animEffect transition="in" filter="dissolve">
+                                      <p:cBhvr>
+                                        <p:cTn id="42" dur="500"/>
+                                        <p:tgtEl>
+                                          <p:spTgt spid="15"/>
+                                        </p:tgtEl>
+                                      </p:cBhvr>
+                                    </p:animEffect>
+                                  </p:childTnLst>
+                                </p:cTn>
+                              </p:par>
+                              <p:par>
+                                <p:cTn id="43" presetID="9" presetClass="entr" presetSubtype="0" fill="hold" nodeType="withEffect">
+                                  <p:stCondLst>
+                                    <p:cond delay="0"/>
+                                  </p:stCondLst>
+                                  <p:childTnLst>
+                                    <p:set>
+                                      <p:cBhvr>
+                                        <p:cTn id="44" dur="1" fill="hold">
+                                          <p:stCondLst>
+                                            <p:cond delay="0"/>
+                                          </p:stCondLst>
+                                        </p:cTn>
+                                        <p:tgtEl>
+                                          <p:spTgt spid="14"/>
+                                        </p:tgtEl>
+                                        <p:attrNameLst>
+                                          <p:attrName>style.visibility</p:attrName>
+                                        </p:attrNameLst>
+                                      </p:cBhvr>
+                                      <p:to>
+                                        <p:strVal val="visible"/>
+                                      </p:to>
+                                    </p:set>
+                                    <p:animEffect transition="in" filter="dissolve">
+                                      <p:cBhvr>
+                                        <p:cTn id="45" dur="500"/>
+                                        <p:tgtEl>
+                                          <p:spTgt spid="14"/>
+                                        </p:tgtEl>
+                                      </p:cBhvr>
+                                    </p:animEffect>
+                                  </p:childTnLst>
+                                </p:cTn>
+                              </p:par>
+                              <p:par>
+                                <p:cTn id="46" presetID="9" presetClass="entr" presetSubtype="0" fill="hold" nodeType="withEffect">
+                                  <p:stCondLst>
+                                    <p:cond delay="0"/>
+                                  </p:stCondLst>
+                                  <p:childTnLst>
+                                    <p:set>
+                                      <p:cBhvr>
+                                        <p:cTn id="47" dur="1" fill="hold">
+                                          <p:stCondLst>
+                                            <p:cond delay="0"/>
+                                          </p:stCondLst>
+                                        </p:cTn>
+                                        <p:tgtEl>
+                                          <p:spTgt spid="13"/>
+                                        </p:tgtEl>
+                                        <p:attrNameLst>
+                                          <p:attrName>style.visibility</p:attrName>
+                                        </p:attrNameLst>
+                                      </p:cBhvr>
+                                      <p:to>
+                                        <p:strVal val="visible"/>
+                                      </p:to>
+                                    </p:set>
+                                    <p:animEffect transition="in" filter="dissolve">
+                                      <p:cBhvr>
+                                        <p:cTn id="48" dur="500"/>
+                                        <p:tgtEl>
+                                          <p:spTgt spid="13"/>
+                                        </p:tgtEl>
+                                      </p:cBhvr>
+                                    </p:animEffect>
+                                  </p:childTnLst>
+                                </p:cTn>
+                              </p:par>
+                              <p:par>
+                                <p:cTn id="49" presetID="9" presetClass="entr" presetSubtype="0" fill="hold" nodeType="withEffect">
+                                  <p:stCondLst>
+                                    <p:cond delay="0"/>
+                                  </p:stCondLst>
+                                  <p:childTnLst>
+                                    <p:set>
+                                      <p:cBhvr>
+                                        <p:cTn id="50" dur="1" fill="hold">
+                                          <p:stCondLst>
+                                            <p:cond delay="0"/>
+                                          </p:stCondLst>
+                                        </p:cTn>
+                                        <p:tgtEl>
+                                          <p:spTgt spid="20"/>
+                                        </p:tgtEl>
+                                        <p:attrNameLst>
+                                          <p:attrName>style.visibility</p:attrName>
+                                        </p:attrNameLst>
+                                      </p:cBhvr>
+                                      <p:to>
+                                        <p:strVal val="visible"/>
+                                      </p:to>
+                                    </p:set>
+                                    <p:animEffect transition="in" filter="dissolve">
+                                      <p:cBhvr>
+                                        <p:cTn id="51" dur="500"/>
+                                        <p:tgtEl>
+                                          <p:spTgt spid="20"/>
+                                        </p:tgtEl>
+                                      </p:cBhvr>
+                                    </p:animEffect>
+                                  </p:childTnLst>
+                                </p:cTn>
+                              </p:par>
+                            </p:childTnLst>
+                          </p:cTn>
+                        </p:par>
+                      </p:childTnLst>
+                    </p:cTn>
+                  </p:par>
+                </p:childTnLst>
+              </p:cTn>
+              <p:prevCondLst>
+                <p:cond evt="onPrev" delay="0">
+                  <p:tgtEl>
+                    <p:sldTgt/>
+                  </p:tgtEl>
+                </p:cond>
+              </p:prevCondLst>
+              <p:nextCondLst>
+                <p:cond evt="onNext" delay="0">
+                  <p:tgtEl>
+                    <p:sldTgt/>
+                  </p:tgtEl>
+                </p:cond>
+              </p:nextCondLst>
+            </p:seq>
+          </p:childTnLst>
+        </p:cTn>
+      </p:par>
+    </p:tnLst>
+    <p:bldLst>
+      <p:bldP spid="4" grpId="0" animBg="1"/>
+      <p:bldP spid="21" grpId="0" animBg="1"/>
+    </p:bldLst>
   </p:timing>
 </p:sld>
 </file>
